--- a/逼乎.pptx
+++ b/逼乎.pptx
@@ -109,6 +109,11 @@
       </a:defRPr>
     </a:lvl9pPr>
   </p:defaultTextStyle>
+  <p:extLst>
+    <p:ext uri="{EFAFB233-063F-42B5-8137-9DF3F51BA10A}">
+      <p15:sldGuideLst xmlns:p15="http://schemas.microsoft.com/office/powerpoint/2012/main"/>
+    </p:ext>
+  </p:extLst>
 </p:presentation>
 </file>
 
@@ -898,7 +903,7 @@
 <dgm:dataModel xmlns:dgm="http://schemas.openxmlformats.org/drawingml/2006/diagram" xmlns:a="http://schemas.openxmlformats.org/drawingml/2006/main">
   <dgm:ptLst>
     <dgm:pt modelId="{6088261C-9F4D-440D-B043-99679A5551C0}" type="doc">
-      <dgm:prSet loTypeId="urn:microsoft.com/office/officeart/2005/8/layout/vList2" loCatId="list" qsTypeId="urn:microsoft.com/office/officeart/2005/8/quickstyle/simple1" qsCatId="simple" csTypeId="urn:microsoft.com/office/officeart/2005/8/colors/colorful5" csCatId="colorful"/>
+      <dgm:prSet loTypeId="urn:microsoft.com/office/officeart/2005/8/layout/vList2" loCatId="list" qsTypeId="urn:microsoft.com/office/officeart/2005/8/quickstyle/simple1" qsCatId="simple" csTypeId="urn:microsoft.com/office/officeart/2005/8/colors/colorful5" csCatId="colorful" phldr="1"/>
       <dgm:spPr/>
       <dgm:t>
         <a:bodyPr/>
@@ -916,10 +921,10 @@
         <a:lstStyle/>
         <a:p>
           <a:r>
-            <a:rPr lang="zh-CN"/>
+            <a:rPr lang="zh-CN" dirty="0"/>
             <a:t>成员：</a:t>
           </a:r>
-          <a:endParaRPr lang="en-US"/>
+          <a:endParaRPr lang="en-US" dirty="0"/>
         </a:p>
       </dgm:t>
     </dgm:pt>
@@ -1064,10 +1069,10 @@
         <a:lstStyle/>
         <a:p>
           <a:r>
-            <a:rPr lang="zh-CN"/>
+            <a:rPr lang="zh-CN" dirty="0"/>
             <a:t>文中凯</a:t>
           </a:r>
-          <a:endParaRPr lang="en-US"/>
+          <a:endParaRPr lang="en-US" dirty="0"/>
         </a:p>
       </dgm:t>
     </dgm:pt>
@@ -1101,10 +1106,10 @@
         <a:lstStyle/>
         <a:p>
           <a:r>
-            <a:rPr lang="zh-CN"/>
+            <a:rPr lang="zh-CN" dirty="0"/>
             <a:t>李彬</a:t>
           </a:r>
-          <a:endParaRPr lang="en-US"/>
+          <a:endParaRPr lang="en-US" dirty="0"/>
         </a:p>
       </dgm:t>
     </dgm:pt>
@@ -1130,6 +1135,42 @@
         </a:p>
       </dgm:t>
     </dgm:pt>
+    <dgm:pt modelId="{183500A3-0E85-42A1-AB0E-6C151FA8DCAF}">
+      <dgm:prSet/>
+      <dgm:spPr/>
+      <dgm:t>
+        <a:bodyPr/>
+        <a:lstStyle/>
+        <a:p>
+          <a:r>
+            <a:rPr lang="zh-CN" altLang="en-US" dirty="0"/>
+            <a:t>黄皓宇</a:t>
+          </a:r>
+        </a:p>
+      </dgm:t>
+    </dgm:pt>
+    <dgm:pt modelId="{E800D762-63DC-43E2-BB87-2C24BA63C635}" type="parTrans" cxnId="{7E975804-3F13-4389-9FE1-5C056581BE7A}">
+      <dgm:prSet/>
+      <dgm:spPr/>
+      <dgm:t>
+        <a:bodyPr/>
+        <a:lstStyle/>
+        <a:p>
+          <a:endParaRPr lang="zh-CN" altLang="en-US"/>
+        </a:p>
+      </dgm:t>
+    </dgm:pt>
+    <dgm:pt modelId="{7F0247FA-E10B-4D52-B96F-43E2C2D00D3D}" type="sibTrans" cxnId="{7E975804-3F13-4389-9FE1-5C056581BE7A}">
+      <dgm:prSet/>
+      <dgm:spPr/>
+      <dgm:t>
+        <a:bodyPr/>
+        <a:lstStyle/>
+        <a:p>
+          <a:endParaRPr lang="zh-CN" altLang="en-US"/>
+        </a:p>
+      </dgm:t>
+    </dgm:pt>
     <dgm:pt modelId="{7AFD37E0-0BF0-40B3-AFBD-4775C239BA23}" type="pres">
       <dgm:prSet presAssocID="{6088261C-9F4D-440D-B043-99679A5551C0}" presName="linear" presStyleCnt="0">
         <dgm:presLayoutVars>
@@ -1140,7 +1181,7 @@
       <dgm:spPr/>
     </dgm:pt>
     <dgm:pt modelId="{00FE7960-0C4D-4D5C-8D5A-B6137DF8F56F}" type="pres">
-      <dgm:prSet presAssocID="{08814D41-876D-4012-9D1E-31C023F4ADC0}" presName="parentText" presStyleLbl="node1" presStyleIdx="0" presStyleCnt="6">
+      <dgm:prSet presAssocID="{08814D41-876D-4012-9D1E-31C023F4ADC0}" presName="parentText" presStyleLbl="node1" presStyleIdx="0" presStyleCnt="7">
         <dgm:presLayoutVars>
           <dgm:chMax val="0"/>
           <dgm:bulletEnabled val="1"/>
@@ -1153,7 +1194,7 @@
       <dgm:spPr/>
     </dgm:pt>
     <dgm:pt modelId="{1A2779E8-368A-479A-A325-51AEBF5D5F96}" type="pres">
-      <dgm:prSet presAssocID="{9483F067-5750-4248-9166-4BA954449C31}" presName="parentText" presStyleLbl="node1" presStyleIdx="1" presStyleCnt="6">
+      <dgm:prSet presAssocID="{9483F067-5750-4248-9166-4BA954449C31}" presName="parentText" presStyleLbl="node1" presStyleIdx="1" presStyleCnt="7">
         <dgm:presLayoutVars>
           <dgm:chMax val="0"/>
           <dgm:bulletEnabled val="1"/>
@@ -1166,7 +1207,7 @@
       <dgm:spPr/>
     </dgm:pt>
     <dgm:pt modelId="{296ED759-5B07-4948-B155-C24916A25078}" type="pres">
-      <dgm:prSet presAssocID="{07F84E5B-51CC-4B44-B659-3039D8B46922}" presName="parentText" presStyleLbl="node1" presStyleIdx="2" presStyleCnt="6">
+      <dgm:prSet presAssocID="{07F84E5B-51CC-4B44-B659-3039D8B46922}" presName="parentText" presStyleLbl="node1" presStyleIdx="2" presStyleCnt="7">
         <dgm:presLayoutVars>
           <dgm:chMax val="0"/>
           <dgm:bulletEnabled val="1"/>
@@ -1179,7 +1220,7 @@
       <dgm:spPr/>
     </dgm:pt>
     <dgm:pt modelId="{8FC4B4A1-E304-4220-8961-4472F50C6B27}" type="pres">
-      <dgm:prSet presAssocID="{5B210679-676E-4E49-85F8-C9B2194FEE30}" presName="parentText" presStyleLbl="node1" presStyleIdx="3" presStyleCnt="6">
+      <dgm:prSet presAssocID="{5B210679-676E-4E49-85F8-C9B2194FEE30}" presName="parentText" presStyleLbl="node1" presStyleIdx="3" presStyleCnt="7">
         <dgm:presLayoutVars>
           <dgm:chMax val="0"/>
           <dgm:bulletEnabled val="1"/>
@@ -1192,7 +1233,7 @@
       <dgm:spPr/>
     </dgm:pt>
     <dgm:pt modelId="{CC3E412E-1D2C-42E0-9AF1-0C0A865EA26A}" type="pres">
-      <dgm:prSet presAssocID="{9ECF7DB5-2692-4C39-A4AB-0350102CAC03}" presName="parentText" presStyleLbl="node1" presStyleIdx="4" presStyleCnt="6">
+      <dgm:prSet presAssocID="{9ECF7DB5-2692-4C39-A4AB-0350102CAC03}" presName="parentText" presStyleLbl="node1" presStyleIdx="4" presStyleCnt="7">
         <dgm:presLayoutVars>
           <dgm:chMax val="0"/>
           <dgm:bulletEnabled val="1"/>
@@ -1204,8 +1245,21 @@
       <dgm:prSet presAssocID="{CAD12B90-DFE9-4430-894E-A6107BCA254D}" presName="spacer" presStyleCnt="0"/>
       <dgm:spPr/>
     </dgm:pt>
+    <dgm:pt modelId="{722C8F79-A2EA-4569-805E-1CF2BDCC563E}" type="pres">
+      <dgm:prSet presAssocID="{183500A3-0E85-42A1-AB0E-6C151FA8DCAF}" presName="parentText" presStyleLbl="node1" presStyleIdx="5" presStyleCnt="7" custLinFactNeighborX="93" custLinFactNeighborY="18435">
+        <dgm:presLayoutVars>
+          <dgm:chMax val="0"/>
+          <dgm:bulletEnabled val="1"/>
+        </dgm:presLayoutVars>
+      </dgm:prSet>
+      <dgm:spPr/>
+    </dgm:pt>
+    <dgm:pt modelId="{C6C51C3B-1340-49E0-B068-346ABAAD2A30}" type="pres">
+      <dgm:prSet presAssocID="{7F0247FA-E10B-4D52-B96F-43E2C2D00D3D}" presName="spacer" presStyleCnt="0"/>
+      <dgm:spPr/>
+    </dgm:pt>
     <dgm:pt modelId="{3DA95D22-3C09-4178-A5BF-6EDE0B0B4985}" type="pres">
-      <dgm:prSet presAssocID="{D6C0B3DE-7817-4815-8DFC-8F8038CCDE9D}" presName="parentText" presStyleLbl="node1" presStyleIdx="5" presStyleCnt="6">
+      <dgm:prSet presAssocID="{D6C0B3DE-7817-4815-8DFC-8F8038CCDE9D}" presName="parentText" presStyleLbl="node1" presStyleIdx="6" presStyleCnt="7" custLinFactY="97184" custLinFactNeighborY="100000">
         <dgm:presLayoutVars>
           <dgm:chMax val="0"/>
           <dgm:bulletEnabled val="1"/>
@@ -1216,29 +1270,33 @@
   </dgm:ptLst>
   <dgm:cxnLst>
     <dgm:cxn modelId="{7DD4D401-43D3-43C8-8254-84F4F1C9FDC9}" srcId="{6088261C-9F4D-440D-B043-99679A5551C0}" destId="{5B210679-676E-4E49-85F8-C9B2194FEE30}" srcOrd="3" destOrd="0" parTransId="{14C42192-2403-4FA3-B92B-8E584154BF78}" sibTransId="{79F37B53-9C34-41F5-B021-F00105646230}"/>
-    <dgm:cxn modelId="{F6AB0F07-3ABF-451A-93DF-5B799D5D26DA}" srcId="{6088261C-9F4D-440D-B043-99679A5551C0}" destId="{D6C0B3DE-7817-4815-8DFC-8F8038CCDE9D}" srcOrd="5" destOrd="0" parTransId="{2F7A1F4D-636B-4870-BF0F-F3C56C5DD4FB}" sibTransId="{C18FD675-DDB5-42D6-8659-7F4BD854AB02}"/>
-    <dgm:cxn modelId="{D1389308-1D47-4D2B-9037-253503D279BB}" type="presOf" srcId="{D6C0B3DE-7817-4815-8DFC-8F8038CCDE9D}" destId="{3DA95D22-3C09-4178-A5BF-6EDE0B0B4985}" srcOrd="0" destOrd="0" presId="urn:microsoft.com/office/officeart/2005/8/layout/vList2"/>
+    <dgm:cxn modelId="{7E975804-3F13-4389-9FE1-5C056581BE7A}" srcId="{6088261C-9F4D-440D-B043-99679A5551C0}" destId="{183500A3-0E85-42A1-AB0E-6C151FA8DCAF}" srcOrd="5" destOrd="0" parTransId="{E800D762-63DC-43E2-BB87-2C24BA63C635}" sibTransId="{7F0247FA-E10B-4D52-B96F-43E2C2D00D3D}"/>
+    <dgm:cxn modelId="{F6AB0F07-3ABF-451A-93DF-5B799D5D26DA}" srcId="{6088261C-9F4D-440D-B043-99679A5551C0}" destId="{D6C0B3DE-7817-4815-8DFC-8F8038CCDE9D}" srcOrd="6" destOrd="0" parTransId="{2F7A1F4D-636B-4870-BF0F-F3C56C5DD4FB}" sibTransId="{C18FD675-DDB5-42D6-8659-7F4BD854AB02}"/>
     <dgm:cxn modelId="{0C35AF13-0F2F-4006-8BF2-FDDD429FBD25}" srcId="{6088261C-9F4D-440D-B043-99679A5551C0}" destId="{9483F067-5750-4248-9166-4BA954449C31}" srcOrd="1" destOrd="0" parTransId="{426D4CB7-6543-4DAA-9909-7E64CFDA427F}" sibTransId="{241D6D2B-8369-44EA-B98A-81930631663A}"/>
-    <dgm:cxn modelId="{2E547446-6764-4E90-B7D9-B6EB80A47CE7}" type="presOf" srcId="{07F84E5B-51CC-4B44-B659-3039D8B46922}" destId="{296ED759-5B07-4948-B155-C24916A25078}" srcOrd="0" destOrd="0" presId="urn:microsoft.com/office/officeart/2005/8/layout/vList2"/>
+    <dgm:cxn modelId="{4BBFBA2A-E06F-4A73-A892-A5499F4A9C48}" type="presOf" srcId="{D6C0B3DE-7817-4815-8DFC-8F8038CCDE9D}" destId="{3DA95D22-3C09-4178-A5BF-6EDE0B0B4985}" srcOrd="0" destOrd="0" presId="urn:microsoft.com/office/officeart/2005/8/layout/vList2"/>
+    <dgm:cxn modelId="{4473B72F-0BEB-4631-A08D-0688E8F85C7F}" type="presOf" srcId="{07F84E5B-51CC-4B44-B659-3039D8B46922}" destId="{296ED759-5B07-4948-B155-C24916A25078}" srcOrd="0" destOrd="0" presId="urn:microsoft.com/office/officeart/2005/8/layout/vList2"/>
+    <dgm:cxn modelId="{6EFE9440-B78C-4129-8739-14AB1C9A17AD}" type="presOf" srcId="{5B210679-676E-4E49-85F8-C9B2194FEE30}" destId="{8FC4B4A1-E304-4220-8961-4472F50C6B27}" srcOrd="0" destOrd="0" presId="urn:microsoft.com/office/officeart/2005/8/layout/vList2"/>
+    <dgm:cxn modelId="{6E9CD35D-2B98-4B33-A032-F3C07C75B227}" type="presOf" srcId="{9ECF7DB5-2692-4C39-A4AB-0350102CAC03}" destId="{CC3E412E-1D2C-42E0-9AF1-0C0A865EA26A}" srcOrd="0" destOrd="0" presId="urn:microsoft.com/office/officeart/2005/8/layout/vList2"/>
     <dgm:cxn modelId="{E429507B-F450-48C7-9638-FD7D75CEAC34}" srcId="{6088261C-9F4D-440D-B043-99679A5551C0}" destId="{9ECF7DB5-2692-4C39-A4AB-0350102CAC03}" srcOrd="4" destOrd="0" parTransId="{8FD502CA-C565-4137-BA00-153F0C4CC26B}" sibTransId="{CAD12B90-DFE9-4430-894E-A6107BCA254D}"/>
     <dgm:cxn modelId="{51C6848F-0C0A-4640-BD64-264F36EA4118}" type="presOf" srcId="{6088261C-9F4D-440D-B043-99679A5551C0}" destId="{7AFD37E0-0BF0-40B3-AFBD-4775C239BA23}" srcOrd="0" destOrd="0" presId="urn:microsoft.com/office/officeart/2005/8/layout/vList2"/>
-    <dgm:cxn modelId="{92A45E93-334A-4243-8816-1FF7B6200CD0}" type="presOf" srcId="{5B210679-676E-4E49-85F8-C9B2194FEE30}" destId="{8FC4B4A1-E304-4220-8961-4472F50C6B27}" srcOrd="0" destOrd="0" presId="urn:microsoft.com/office/officeart/2005/8/layout/vList2"/>
+    <dgm:cxn modelId="{7C70FB9A-6CA0-4156-96D2-4D7D962D8243}" type="presOf" srcId="{9483F067-5750-4248-9166-4BA954449C31}" destId="{1A2779E8-368A-479A-A325-51AEBF5D5F96}" srcOrd="0" destOrd="0" presId="urn:microsoft.com/office/officeart/2005/8/layout/vList2"/>
     <dgm:cxn modelId="{C793C6B3-FE5A-42F6-B3FB-C98F59F06220}" srcId="{6088261C-9F4D-440D-B043-99679A5551C0}" destId="{08814D41-876D-4012-9D1E-31C023F4ADC0}" srcOrd="0" destOrd="0" parTransId="{0767D0D1-D61E-4978-8794-C6724DFE043F}" sibTransId="{92F8160C-3979-41A4-BDA9-3061954C5F98}"/>
+    <dgm:cxn modelId="{278533C5-455A-45FE-B373-4176CD8E3AE0}" type="presOf" srcId="{08814D41-876D-4012-9D1E-31C023F4ADC0}" destId="{00FE7960-0C4D-4D5C-8D5A-B6137DF8F56F}" srcOrd="0" destOrd="0" presId="urn:microsoft.com/office/officeart/2005/8/layout/vList2"/>
     <dgm:cxn modelId="{DC455BD7-CAD6-4A6C-A707-FA1165EE4D4D}" srcId="{6088261C-9F4D-440D-B043-99679A5551C0}" destId="{07F84E5B-51CC-4B44-B659-3039D8B46922}" srcOrd="2" destOrd="0" parTransId="{F04769ED-057A-41B2-8F05-3EBEF17676AB}" sibTransId="{7A6AC3DE-7722-4F4E-9419-A54299DCE217}"/>
-    <dgm:cxn modelId="{70956BEB-FEC8-4D5F-B38F-488E3ECD0FA0}" type="presOf" srcId="{9483F067-5750-4248-9166-4BA954449C31}" destId="{1A2779E8-368A-479A-A325-51AEBF5D5F96}" srcOrd="0" destOrd="0" presId="urn:microsoft.com/office/officeart/2005/8/layout/vList2"/>
-    <dgm:cxn modelId="{1FACC0EB-DF4D-421B-BB1A-CB66038FDB61}" type="presOf" srcId="{9ECF7DB5-2692-4C39-A4AB-0350102CAC03}" destId="{CC3E412E-1D2C-42E0-9AF1-0C0A865EA26A}" srcOrd="0" destOrd="0" presId="urn:microsoft.com/office/officeart/2005/8/layout/vList2"/>
-    <dgm:cxn modelId="{CE648FF1-FE14-4E90-9073-F2D1B48EAF2D}" type="presOf" srcId="{08814D41-876D-4012-9D1E-31C023F4ADC0}" destId="{00FE7960-0C4D-4D5C-8D5A-B6137DF8F56F}" srcOrd="0" destOrd="0" presId="urn:microsoft.com/office/officeart/2005/8/layout/vList2"/>
-    <dgm:cxn modelId="{7F9C8071-9624-457B-BF9F-E205813F0C7A}" type="presParOf" srcId="{7AFD37E0-0BF0-40B3-AFBD-4775C239BA23}" destId="{00FE7960-0C4D-4D5C-8D5A-B6137DF8F56F}" srcOrd="0" destOrd="0" presId="urn:microsoft.com/office/officeart/2005/8/layout/vList2"/>
-    <dgm:cxn modelId="{C73A9AFD-30C1-414A-9222-4D5DB7B45420}" type="presParOf" srcId="{7AFD37E0-0BF0-40B3-AFBD-4775C239BA23}" destId="{6DBF089F-C0E2-4554-878B-AD9AB0F9F9EE}" srcOrd="1" destOrd="0" presId="urn:microsoft.com/office/officeart/2005/8/layout/vList2"/>
-    <dgm:cxn modelId="{99C05EE1-E357-44F3-A26D-9876E2410F7C}" type="presParOf" srcId="{7AFD37E0-0BF0-40B3-AFBD-4775C239BA23}" destId="{1A2779E8-368A-479A-A325-51AEBF5D5F96}" srcOrd="2" destOrd="0" presId="urn:microsoft.com/office/officeart/2005/8/layout/vList2"/>
-    <dgm:cxn modelId="{B58EDBC8-383F-4A65-9C88-109D96EA7F5A}" type="presParOf" srcId="{7AFD37E0-0BF0-40B3-AFBD-4775C239BA23}" destId="{454B21B4-BFA0-4B07-B4D1-566066E0BD09}" srcOrd="3" destOrd="0" presId="urn:microsoft.com/office/officeart/2005/8/layout/vList2"/>
-    <dgm:cxn modelId="{7E516047-ACE6-4E39-8572-022EF51BDEBE}" type="presParOf" srcId="{7AFD37E0-0BF0-40B3-AFBD-4775C239BA23}" destId="{296ED759-5B07-4948-B155-C24916A25078}" srcOrd="4" destOrd="0" presId="urn:microsoft.com/office/officeart/2005/8/layout/vList2"/>
-    <dgm:cxn modelId="{1ECE5B06-5AE2-490D-B363-C639921A844D}" type="presParOf" srcId="{7AFD37E0-0BF0-40B3-AFBD-4775C239BA23}" destId="{802AA89A-E480-45F2-8C58-CB6AB32D0526}" srcOrd="5" destOrd="0" presId="urn:microsoft.com/office/officeart/2005/8/layout/vList2"/>
-    <dgm:cxn modelId="{3AE0EA35-B9D7-49C4-A4EA-DFF639447648}" type="presParOf" srcId="{7AFD37E0-0BF0-40B3-AFBD-4775C239BA23}" destId="{8FC4B4A1-E304-4220-8961-4472F50C6B27}" srcOrd="6" destOrd="0" presId="urn:microsoft.com/office/officeart/2005/8/layout/vList2"/>
-    <dgm:cxn modelId="{779D39E4-FFCA-4C7D-AEE4-1059F01194DA}" type="presParOf" srcId="{7AFD37E0-0BF0-40B3-AFBD-4775C239BA23}" destId="{F5C25EF3-9D3B-4DF4-BB63-4874FB99D501}" srcOrd="7" destOrd="0" presId="urn:microsoft.com/office/officeart/2005/8/layout/vList2"/>
-    <dgm:cxn modelId="{8AB3387E-DE3F-4C6E-985F-F38883BC3E74}" type="presParOf" srcId="{7AFD37E0-0BF0-40B3-AFBD-4775C239BA23}" destId="{CC3E412E-1D2C-42E0-9AF1-0C0A865EA26A}" srcOrd="8" destOrd="0" presId="urn:microsoft.com/office/officeart/2005/8/layout/vList2"/>
-    <dgm:cxn modelId="{417CDEA6-6815-4398-8F8F-1A37BAD86B9B}" type="presParOf" srcId="{7AFD37E0-0BF0-40B3-AFBD-4775C239BA23}" destId="{0122EE43-32FA-4E1C-BD4A-E47014ED9403}" srcOrd="9" destOrd="0" presId="urn:microsoft.com/office/officeart/2005/8/layout/vList2"/>
-    <dgm:cxn modelId="{AF567194-7514-4F5D-B0FA-7400DADEA8E0}" type="presParOf" srcId="{7AFD37E0-0BF0-40B3-AFBD-4775C239BA23}" destId="{3DA95D22-3C09-4178-A5BF-6EDE0B0B4985}" srcOrd="10" destOrd="0" presId="urn:microsoft.com/office/officeart/2005/8/layout/vList2"/>
+    <dgm:cxn modelId="{F11064ED-8893-4ADE-B2B3-F9870E5554F5}" type="presOf" srcId="{183500A3-0E85-42A1-AB0E-6C151FA8DCAF}" destId="{722C8F79-A2EA-4569-805E-1CF2BDCC563E}" srcOrd="0" destOrd="0" presId="urn:microsoft.com/office/officeart/2005/8/layout/vList2"/>
+    <dgm:cxn modelId="{3D6C9340-02C2-4E81-B8D3-C1789D71DA8E}" type="presParOf" srcId="{7AFD37E0-0BF0-40B3-AFBD-4775C239BA23}" destId="{00FE7960-0C4D-4D5C-8D5A-B6137DF8F56F}" srcOrd="0" destOrd="0" presId="urn:microsoft.com/office/officeart/2005/8/layout/vList2"/>
+    <dgm:cxn modelId="{18D7C015-DD4D-4E69-9030-D411255DA82C}" type="presParOf" srcId="{7AFD37E0-0BF0-40B3-AFBD-4775C239BA23}" destId="{6DBF089F-C0E2-4554-878B-AD9AB0F9F9EE}" srcOrd="1" destOrd="0" presId="urn:microsoft.com/office/officeart/2005/8/layout/vList2"/>
+    <dgm:cxn modelId="{3843D0FD-8EB0-4763-B240-B7F7323C4D93}" type="presParOf" srcId="{7AFD37E0-0BF0-40B3-AFBD-4775C239BA23}" destId="{1A2779E8-368A-479A-A325-51AEBF5D5F96}" srcOrd="2" destOrd="0" presId="urn:microsoft.com/office/officeart/2005/8/layout/vList2"/>
+    <dgm:cxn modelId="{477D1CB8-4B5A-4EF3-8798-2DE8AC3904CB}" type="presParOf" srcId="{7AFD37E0-0BF0-40B3-AFBD-4775C239BA23}" destId="{454B21B4-BFA0-4B07-B4D1-566066E0BD09}" srcOrd="3" destOrd="0" presId="urn:microsoft.com/office/officeart/2005/8/layout/vList2"/>
+    <dgm:cxn modelId="{70B0998B-D4B6-4805-9411-3B19CB39AA2C}" type="presParOf" srcId="{7AFD37E0-0BF0-40B3-AFBD-4775C239BA23}" destId="{296ED759-5B07-4948-B155-C24916A25078}" srcOrd="4" destOrd="0" presId="urn:microsoft.com/office/officeart/2005/8/layout/vList2"/>
+    <dgm:cxn modelId="{1D1C882F-F8C8-4630-B425-02E1EF114F50}" type="presParOf" srcId="{7AFD37E0-0BF0-40B3-AFBD-4775C239BA23}" destId="{802AA89A-E480-45F2-8C58-CB6AB32D0526}" srcOrd="5" destOrd="0" presId="urn:microsoft.com/office/officeart/2005/8/layout/vList2"/>
+    <dgm:cxn modelId="{9DDE5B74-B17A-4C84-AE0A-6D4C56A8B4DA}" type="presParOf" srcId="{7AFD37E0-0BF0-40B3-AFBD-4775C239BA23}" destId="{8FC4B4A1-E304-4220-8961-4472F50C6B27}" srcOrd="6" destOrd="0" presId="urn:microsoft.com/office/officeart/2005/8/layout/vList2"/>
+    <dgm:cxn modelId="{800D3E16-5DA0-4BEC-9311-386CBEA163E7}" type="presParOf" srcId="{7AFD37E0-0BF0-40B3-AFBD-4775C239BA23}" destId="{F5C25EF3-9D3B-4DF4-BB63-4874FB99D501}" srcOrd="7" destOrd="0" presId="urn:microsoft.com/office/officeart/2005/8/layout/vList2"/>
+    <dgm:cxn modelId="{2C73A7C3-B41A-4ED6-BE59-F5D72A7D94D4}" type="presParOf" srcId="{7AFD37E0-0BF0-40B3-AFBD-4775C239BA23}" destId="{CC3E412E-1D2C-42E0-9AF1-0C0A865EA26A}" srcOrd="8" destOrd="0" presId="urn:microsoft.com/office/officeart/2005/8/layout/vList2"/>
+    <dgm:cxn modelId="{75A3C243-0712-44E6-90DD-409C30C603BC}" type="presParOf" srcId="{7AFD37E0-0BF0-40B3-AFBD-4775C239BA23}" destId="{0122EE43-32FA-4E1C-BD4A-E47014ED9403}" srcOrd="9" destOrd="0" presId="urn:microsoft.com/office/officeart/2005/8/layout/vList2"/>
+    <dgm:cxn modelId="{D09A58A2-F3AD-4840-A054-E73252B02A7A}" type="presParOf" srcId="{7AFD37E0-0BF0-40B3-AFBD-4775C239BA23}" destId="{722C8F79-A2EA-4569-805E-1CF2BDCC563E}" srcOrd="10" destOrd="0" presId="urn:microsoft.com/office/officeart/2005/8/layout/vList2"/>
+    <dgm:cxn modelId="{2F59ADF6-288B-44EC-9065-742E9886868C}" type="presParOf" srcId="{7AFD37E0-0BF0-40B3-AFBD-4775C239BA23}" destId="{C6C51C3B-1340-49E0-B068-346ABAAD2A30}" srcOrd="11" destOrd="0" presId="urn:microsoft.com/office/officeart/2005/8/layout/vList2"/>
+    <dgm:cxn modelId="{E983CCDC-0C84-4FAF-9677-C9A53555F39B}" type="presParOf" srcId="{7AFD37E0-0BF0-40B3-AFBD-4775C239BA23}" destId="{3DA95D22-3C09-4178-A5BF-6EDE0B0B4985}" srcOrd="12" destOrd="0" presId="urn:microsoft.com/office/officeart/2005/8/layout/vList2"/>
   </dgm:cxnLst>
   <dgm:bg/>
   <dgm:whole/>
@@ -1265,8 +1323,8 @@
       </dsp:nvSpPr>
       <dsp:spPr>
         <a:xfrm>
-          <a:off x="0" y="61008"/>
-          <a:ext cx="5115491" cy="737100"/>
+          <a:off x="0" y="55248"/>
+          <a:ext cx="5115491" cy="631799"/>
         </a:xfrm>
         <a:prstGeom prst="roundRect">
           <a:avLst/>
@@ -1308,12 +1366,12 @@
         </a:fontRef>
       </dsp:style>
       <dsp:txBody>
-        <a:bodyPr spcFirstLastPara="0" vert="horz" wrap="square" lIns="106680" tIns="106680" rIns="106680" bIns="106680" numCol="1" spcCol="1270" anchor="ctr" anchorCtr="0">
+        <a:bodyPr spcFirstLastPara="0" vert="horz" wrap="square" lIns="91440" tIns="91440" rIns="91440" bIns="91440" numCol="1" spcCol="1270" anchor="ctr" anchorCtr="0">
           <a:noAutofit/>
         </a:bodyPr>
         <a:lstStyle/>
         <a:p>
-          <a:pPr marL="0" lvl="0" indent="0" algn="l" defTabSz="1244600">
+          <a:pPr marL="0" lvl="0" indent="0" algn="l" defTabSz="1066800">
             <a:lnSpc>
               <a:spcPct val="90000"/>
             </a:lnSpc>
@@ -1326,15 +1384,15 @@
             <a:buNone/>
           </a:pPr>
           <a:r>
-            <a:rPr lang="zh-CN" sz="2800" kern="1200"/>
+            <a:rPr lang="zh-CN" sz="2400" kern="1200" dirty="0"/>
             <a:t>成员：</a:t>
           </a:r>
-          <a:endParaRPr lang="en-US" sz="2800" kern="1200"/>
+          <a:endParaRPr lang="en-US" sz="2400" kern="1200" dirty="0"/>
         </a:p>
       </dsp:txBody>
       <dsp:txXfrm>
-        <a:off x="35982" y="96990"/>
-        <a:ext cx="5043527" cy="665136"/>
+        <a:off x="30842" y="86090"/>
+        <a:ext cx="5053807" cy="570115"/>
       </dsp:txXfrm>
     </dsp:sp>
     <dsp:sp modelId="{1A2779E8-368A-479A-A325-51AEBF5D5F96}">
@@ -1344,17 +1402,17 @@
       </dsp:nvSpPr>
       <dsp:spPr>
         <a:xfrm>
-          <a:off x="0" y="878748"/>
-          <a:ext cx="5115491" cy="737100"/>
+          <a:off x="0" y="756168"/>
+          <a:ext cx="5115491" cy="631799"/>
         </a:xfrm>
         <a:prstGeom prst="roundRect">
           <a:avLst/>
         </a:prstGeom>
         <a:solidFill>
           <a:schemeClr val="accent5">
-            <a:hueOff val="-1351709"/>
-            <a:satOff val="-3484"/>
-            <a:lumOff val="-2353"/>
+            <a:hueOff val="-1126424"/>
+            <a:satOff val="-2903"/>
+            <a:lumOff val="-1961"/>
             <a:alphaOff val="0"/>
           </a:schemeClr>
         </a:solidFill>
@@ -1387,12 +1445,12 @@
         </a:fontRef>
       </dsp:style>
       <dsp:txBody>
-        <a:bodyPr spcFirstLastPara="0" vert="horz" wrap="square" lIns="106680" tIns="106680" rIns="106680" bIns="106680" numCol="1" spcCol="1270" anchor="ctr" anchorCtr="0">
+        <a:bodyPr spcFirstLastPara="0" vert="horz" wrap="square" lIns="91440" tIns="91440" rIns="91440" bIns="91440" numCol="1" spcCol="1270" anchor="ctr" anchorCtr="0">
           <a:noAutofit/>
         </a:bodyPr>
         <a:lstStyle/>
         <a:p>
-          <a:pPr marL="0" lvl="0" indent="0" algn="l" defTabSz="1244600">
+          <a:pPr marL="0" lvl="0" indent="0" algn="l" defTabSz="1066800">
             <a:lnSpc>
               <a:spcPct val="90000"/>
             </a:lnSpc>
@@ -1405,15 +1463,15 @@
             <a:buNone/>
           </a:pPr>
           <a:r>
-            <a:rPr lang="zh-CN" sz="2800" kern="1200"/>
+            <a:rPr lang="zh-CN" sz="2400" kern="1200"/>
             <a:t>万圣智</a:t>
           </a:r>
-          <a:endParaRPr lang="en-US" sz="2800" kern="1200"/>
+          <a:endParaRPr lang="en-US" sz="2400" kern="1200"/>
         </a:p>
       </dsp:txBody>
       <dsp:txXfrm>
-        <a:off x="35982" y="914730"/>
-        <a:ext cx="5043527" cy="665136"/>
+        <a:off x="30842" y="787010"/>
+        <a:ext cx="5053807" cy="570115"/>
       </dsp:txXfrm>
     </dsp:sp>
     <dsp:sp modelId="{296ED759-5B07-4948-B155-C24916A25078}">
@@ -1423,17 +1481,17 @@
       </dsp:nvSpPr>
       <dsp:spPr>
         <a:xfrm>
-          <a:off x="0" y="1696489"/>
-          <a:ext cx="5115491" cy="737100"/>
+          <a:off x="0" y="1457088"/>
+          <a:ext cx="5115491" cy="631799"/>
         </a:xfrm>
         <a:prstGeom prst="roundRect">
           <a:avLst/>
         </a:prstGeom>
         <a:solidFill>
           <a:schemeClr val="accent5">
-            <a:hueOff val="-2703417"/>
-            <a:satOff val="-6968"/>
-            <a:lumOff val="-4706"/>
+            <a:hueOff val="-2252848"/>
+            <a:satOff val="-5806"/>
+            <a:lumOff val="-3922"/>
             <a:alphaOff val="0"/>
           </a:schemeClr>
         </a:solidFill>
@@ -1466,12 +1524,12 @@
         </a:fontRef>
       </dsp:style>
       <dsp:txBody>
-        <a:bodyPr spcFirstLastPara="0" vert="horz" wrap="square" lIns="106680" tIns="106680" rIns="106680" bIns="106680" numCol="1" spcCol="1270" anchor="ctr" anchorCtr="0">
+        <a:bodyPr spcFirstLastPara="0" vert="horz" wrap="square" lIns="91440" tIns="91440" rIns="91440" bIns="91440" numCol="1" spcCol="1270" anchor="ctr" anchorCtr="0">
           <a:noAutofit/>
         </a:bodyPr>
         <a:lstStyle/>
         <a:p>
-          <a:pPr marL="0" lvl="0" indent="0" algn="l" defTabSz="1244600">
+          <a:pPr marL="0" lvl="0" indent="0" algn="l" defTabSz="1066800">
             <a:lnSpc>
               <a:spcPct val="90000"/>
             </a:lnSpc>
@@ -1484,15 +1542,15 @@
             <a:buNone/>
           </a:pPr>
           <a:r>
-            <a:rPr lang="zh-CN" sz="2800" kern="1200"/>
+            <a:rPr lang="zh-CN" sz="2400" kern="1200"/>
             <a:t>梁旭威</a:t>
           </a:r>
-          <a:endParaRPr lang="en-US" sz="2800" kern="1200"/>
+          <a:endParaRPr lang="en-US" sz="2400" kern="1200"/>
         </a:p>
       </dsp:txBody>
       <dsp:txXfrm>
-        <a:off x="35982" y="1732471"/>
-        <a:ext cx="5043527" cy="665136"/>
+        <a:off x="30842" y="1487930"/>
+        <a:ext cx="5053807" cy="570115"/>
       </dsp:txXfrm>
     </dsp:sp>
     <dsp:sp modelId="{8FC4B4A1-E304-4220-8961-4472F50C6B27}">
@@ -1502,17 +1560,17 @@
       </dsp:nvSpPr>
       <dsp:spPr>
         <a:xfrm>
-          <a:off x="0" y="2514228"/>
-          <a:ext cx="5115491" cy="737100"/>
+          <a:off x="0" y="2158008"/>
+          <a:ext cx="5115491" cy="631799"/>
         </a:xfrm>
         <a:prstGeom prst="roundRect">
           <a:avLst/>
         </a:prstGeom>
         <a:solidFill>
           <a:schemeClr val="accent5">
-            <a:hueOff val="-4055126"/>
-            <a:satOff val="-10451"/>
-            <a:lumOff val="-7059"/>
+            <a:hueOff val="-3379271"/>
+            <a:satOff val="-8710"/>
+            <a:lumOff val="-5883"/>
             <a:alphaOff val="0"/>
           </a:schemeClr>
         </a:solidFill>
@@ -1545,12 +1603,12 @@
         </a:fontRef>
       </dsp:style>
       <dsp:txBody>
-        <a:bodyPr spcFirstLastPara="0" vert="horz" wrap="square" lIns="106680" tIns="106680" rIns="106680" bIns="106680" numCol="1" spcCol="1270" anchor="ctr" anchorCtr="0">
+        <a:bodyPr spcFirstLastPara="0" vert="horz" wrap="square" lIns="91440" tIns="91440" rIns="91440" bIns="91440" numCol="1" spcCol="1270" anchor="ctr" anchorCtr="0">
           <a:noAutofit/>
         </a:bodyPr>
         <a:lstStyle/>
         <a:p>
-          <a:pPr marL="0" lvl="0" indent="0" algn="l" defTabSz="1244600">
+          <a:pPr marL="0" lvl="0" indent="0" algn="l" defTabSz="1066800">
             <a:lnSpc>
               <a:spcPct val="90000"/>
             </a:lnSpc>
@@ -1563,15 +1621,15 @@
             <a:buNone/>
           </a:pPr>
           <a:r>
-            <a:rPr lang="zh-CN" sz="2800" kern="1200"/>
+            <a:rPr lang="zh-CN" sz="2400" kern="1200"/>
             <a:t>胡映楠</a:t>
           </a:r>
-          <a:endParaRPr lang="en-US" sz="2800" kern="1200"/>
+          <a:endParaRPr lang="en-US" sz="2400" kern="1200"/>
         </a:p>
       </dsp:txBody>
       <dsp:txXfrm>
-        <a:off x="35982" y="2550210"/>
-        <a:ext cx="5043527" cy="665136"/>
+        <a:off x="30842" y="2188850"/>
+        <a:ext cx="5053807" cy="570115"/>
       </dsp:txXfrm>
     </dsp:sp>
     <dsp:sp modelId="{CC3E412E-1D2C-42E0-9AF1-0C0A865EA26A}">
@@ -1581,17 +1639,17 @@
       </dsp:nvSpPr>
       <dsp:spPr>
         <a:xfrm>
-          <a:off x="0" y="3331968"/>
-          <a:ext cx="5115491" cy="737100"/>
+          <a:off x="0" y="2858928"/>
+          <a:ext cx="5115491" cy="631799"/>
         </a:xfrm>
         <a:prstGeom prst="roundRect">
           <a:avLst/>
         </a:prstGeom>
         <a:solidFill>
           <a:schemeClr val="accent5">
-            <a:hueOff val="-5406834"/>
-            <a:satOff val="-13935"/>
-            <a:lumOff val="-9412"/>
+            <a:hueOff val="-4505695"/>
+            <a:satOff val="-11613"/>
+            <a:lumOff val="-7843"/>
             <a:alphaOff val="0"/>
           </a:schemeClr>
         </a:solidFill>
@@ -1624,12 +1682,12 @@
         </a:fontRef>
       </dsp:style>
       <dsp:txBody>
-        <a:bodyPr spcFirstLastPara="0" vert="horz" wrap="square" lIns="106680" tIns="106680" rIns="106680" bIns="106680" numCol="1" spcCol="1270" anchor="ctr" anchorCtr="0">
+        <a:bodyPr spcFirstLastPara="0" vert="horz" wrap="square" lIns="91440" tIns="91440" rIns="91440" bIns="91440" numCol="1" spcCol="1270" anchor="ctr" anchorCtr="0">
           <a:noAutofit/>
         </a:bodyPr>
         <a:lstStyle/>
         <a:p>
-          <a:pPr marL="0" lvl="0" indent="0" algn="l" defTabSz="1244600">
+          <a:pPr marL="0" lvl="0" indent="0" algn="l" defTabSz="1066800">
             <a:lnSpc>
               <a:spcPct val="90000"/>
             </a:lnSpc>
@@ -1642,15 +1700,93 @@
             <a:buNone/>
           </a:pPr>
           <a:r>
-            <a:rPr lang="zh-CN" sz="2800" kern="1200"/>
+            <a:rPr lang="zh-CN" sz="2400" kern="1200" dirty="0"/>
             <a:t>文中凯</a:t>
           </a:r>
-          <a:endParaRPr lang="en-US" sz="2800" kern="1200"/>
+          <a:endParaRPr lang="en-US" sz="2400" kern="1200" dirty="0"/>
         </a:p>
       </dsp:txBody>
       <dsp:txXfrm>
-        <a:off x="35982" y="3367950"/>
-        <a:ext cx="5043527" cy="665136"/>
+        <a:off x="30842" y="2889770"/>
+        <a:ext cx="5053807" cy="570115"/>
+      </dsp:txXfrm>
+    </dsp:sp>
+    <dsp:sp modelId="{722C8F79-A2EA-4569-805E-1CF2BDCC563E}">
+      <dsp:nvSpPr>
+        <dsp:cNvPr id="0" name=""/>
+        <dsp:cNvSpPr/>
+      </dsp:nvSpPr>
+      <dsp:spPr>
+        <a:xfrm>
+          <a:off x="0" y="3572591"/>
+          <a:ext cx="5115491" cy="631799"/>
+        </a:xfrm>
+        <a:prstGeom prst="roundRect">
+          <a:avLst/>
+        </a:prstGeom>
+        <a:solidFill>
+          <a:schemeClr val="accent5">
+            <a:hueOff val="-5632119"/>
+            <a:satOff val="-14516"/>
+            <a:lumOff val="-9804"/>
+            <a:alphaOff val="0"/>
+          </a:schemeClr>
+        </a:solidFill>
+        <a:ln w="12700" cap="flat" cmpd="sng" algn="ctr">
+          <a:solidFill>
+            <a:schemeClr val="lt1">
+              <a:hueOff val="0"/>
+              <a:satOff val="0"/>
+              <a:lumOff val="0"/>
+              <a:alphaOff val="0"/>
+            </a:schemeClr>
+          </a:solidFill>
+          <a:prstDash val="solid"/>
+          <a:miter lim="800000"/>
+        </a:ln>
+        <a:effectLst/>
+      </dsp:spPr>
+      <dsp:style>
+        <a:lnRef idx="2">
+          <a:scrgbClr r="0" g="0" b="0"/>
+        </a:lnRef>
+        <a:fillRef idx="1">
+          <a:scrgbClr r="0" g="0" b="0"/>
+        </a:fillRef>
+        <a:effectRef idx="0">
+          <a:scrgbClr r="0" g="0" b="0"/>
+        </a:effectRef>
+        <a:fontRef idx="minor">
+          <a:schemeClr val="lt1"/>
+        </a:fontRef>
+      </dsp:style>
+      <dsp:txBody>
+        <a:bodyPr spcFirstLastPara="0" vert="horz" wrap="square" lIns="91440" tIns="91440" rIns="91440" bIns="91440" numCol="1" spcCol="1270" anchor="ctr" anchorCtr="0">
+          <a:noAutofit/>
+        </a:bodyPr>
+        <a:lstStyle/>
+        <a:p>
+          <a:pPr marL="0" lvl="0" indent="0" algn="l" defTabSz="1066800">
+            <a:lnSpc>
+              <a:spcPct val="90000"/>
+            </a:lnSpc>
+            <a:spcBef>
+              <a:spcPct val="0"/>
+            </a:spcBef>
+            <a:spcAft>
+              <a:spcPct val="35000"/>
+            </a:spcAft>
+            <a:buNone/>
+          </a:pPr>
+          <a:r>
+            <a:rPr lang="zh-CN" altLang="en-US" sz="2400" kern="1200" dirty="0"/>
+            <a:t>黄皓宇</a:t>
+          </a:r>
+        </a:p>
+      </dsp:txBody>
+      <dsp:txXfrm>
+        <a:off x="30842" y="3603433"/>
+        <a:ext cx="5053807" cy="570115"/>
       </dsp:txXfrm>
     </dsp:sp>
     <dsp:sp modelId="{3DA95D22-3C09-4178-A5BF-6EDE0B0B4985}">
@@ -1660,8 +1796,8 @@
       </dsp:nvSpPr>
       <dsp:spPr>
         <a:xfrm>
-          <a:off x="0" y="4149709"/>
-          <a:ext cx="5115491" cy="737100"/>
+          <a:off x="0" y="4316018"/>
+          <a:ext cx="5115491" cy="631799"/>
         </a:xfrm>
         <a:prstGeom prst="roundRect">
           <a:avLst/>
@@ -1703,12 +1839,12 @@
         </a:fontRef>
       </dsp:style>
       <dsp:txBody>
-        <a:bodyPr spcFirstLastPara="0" vert="horz" wrap="square" lIns="106680" tIns="106680" rIns="106680" bIns="106680" numCol="1" spcCol="1270" anchor="ctr" anchorCtr="0">
+        <a:bodyPr spcFirstLastPara="0" vert="horz" wrap="square" lIns="91440" tIns="91440" rIns="91440" bIns="91440" numCol="1" spcCol="1270" anchor="ctr" anchorCtr="0">
           <a:noAutofit/>
         </a:bodyPr>
         <a:lstStyle/>
         <a:p>
-          <a:pPr marL="0" lvl="0" indent="0" algn="l" defTabSz="1244600">
+          <a:pPr marL="0" lvl="0" indent="0" algn="l" defTabSz="1066800">
             <a:lnSpc>
               <a:spcPct val="90000"/>
             </a:lnSpc>
@@ -1721,15 +1857,15 @@
             <a:buNone/>
           </a:pPr>
           <a:r>
-            <a:rPr lang="zh-CN" sz="2800" kern="1200"/>
+            <a:rPr lang="zh-CN" sz="2400" kern="1200" dirty="0"/>
             <a:t>李彬</a:t>
           </a:r>
-          <a:endParaRPr lang="en-US" sz="2800" kern="1200"/>
+          <a:endParaRPr lang="en-US" sz="2400" kern="1200" dirty="0"/>
         </a:p>
       </dsp:txBody>
       <dsp:txXfrm>
-        <a:off x="35982" y="4185691"/>
-        <a:ext cx="5043527" cy="665136"/>
+        <a:off x="30842" y="4346860"/>
+        <a:ext cx="5053807" cy="570115"/>
       </dsp:txXfrm>
     </dsp:sp>
   </dsp:spTree>
@@ -6344,7 +6480,7 @@
             <p:ph idx="1"/>
             <p:extLst>
               <p:ext uri="{D42A27DB-BD31-4B8C-83A1-F6EECF244321}">
-                <p14:modId xmlns:p14="http://schemas.microsoft.com/office/powerpoint/2010/main" val="1863718811"/>
+                <p14:modId xmlns:p14="http://schemas.microsoft.com/office/powerpoint/2010/main" val="2730712016"/>
               </p:ext>
             </p:extLst>
           </p:nvPr>

--- a/逼乎.pptx
+++ b/逼乎.pptx
@@ -6693,7 +6693,7 @@
           <a:p>
             <a:pPr algn="ctr"/>
             <a:r>
-              <a:rPr lang="en-US" altLang="zh-CN" sz="6000" kern="1200">
+              <a:rPr lang="en-US" altLang="zh-CN" sz="6000" kern="1200" dirty="0">
                 <a:solidFill>
                   <a:srgbClr val="FFFFFF"/>
                 </a:solidFill>
@@ -6701,7 +6701,7 @@
                 <a:ea typeface="+mj-ea"/>
                 <a:cs typeface="+mj-cs"/>
               </a:rPr>
-              <a:t>WWW.BIHU.GQ</a:t>
+              <a:t>www.bihu.gq</a:t>
             </a:r>
           </a:p>
         </p:txBody>
